--- a/apresentacao doutorado simplificado.pptx
+++ b/apresentacao doutorado simplificado.pptx
@@ -200,6 +200,9 @@
           </p15:clr>
         </p15:guide>
       </p15:sldGuideLst>
+    </p:ext>
+    <p:ext uri="{2D200454-40CA-4A62-9FC3-DE9A4176ACB9}">
+      <p15:notesGuideLst xmlns:p15="http://schemas.microsoft.com/office/powerpoint/2012/main"/>
     </p:ext>
   </p:extLst>
 </p:presentation>
@@ -4638,7 +4641,7 @@
           <a:p>
             <a:fld id="{85355001-017D-4E25-A665-C5F6D61C16C6}" type="datetimeFigureOut">
               <a:rPr lang="pt-BR" smtClean="0"/>
-              <a:t>07/12/2020</a:t>
+              <a:t>08/12/2020</a:t>
             </a:fld>
             <a:endParaRPr lang="pt-BR"/>
           </a:p>
@@ -4816,7 +4819,7 @@
           <a:p>
             <a:fld id="{4FBCF2B5-875D-4003-895D-F40CEBB778A9}" type="datetimeFigureOut">
               <a:rPr lang="pt-BR" smtClean="0"/>
-              <a:t>07/12/2020</a:t>
+              <a:t>08/12/2020</a:t>
             </a:fld>
             <a:endParaRPr lang="pt-BR"/>
           </a:p>
@@ -31150,7 +31153,7 @@
 </file>
 
 <file path=ppt/slides/slide8.xml><?xml version="1.0" encoding="utf-8"?>
-<p:sld xmlns:a="http://schemas.openxmlformats.org/drawingml/2006/main" xmlns:r="http://schemas.openxmlformats.org/officeDocument/2006/relationships" xmlns:p="http://schemas.openxmlformats.org/presentationml/2006/main">
+<p:sld xmlns:a="http://schemas.openxmlformats.org/drawingml/2006/main" xmlns:r="http://schemas.openxmlformats.org/officeDocument/2006/relationships" xmlns:p="http://schemas.openxmlformats.org/presentationml/2006/main" show="0">
   <p:cSld>
     <p:spTree>
       <p:nvGrpSpPr>

--- a/apresentacao doutorado simplificado.pptx
+++ b/apresentacao doutorado simplificado.pptx
@@ -26196,16 +26196,15 @@
           <p:cNvPicPr/>
           <p:nvPr/>
         </p:nvPicPr>
-        <p:blipFill>
+        <p:blipFill rotWithShape="1">
           <a:blip r:embed="rId3"/>
-          <a:stretch>
-            <a:fillRect/>
-          </a:stretch>
+          <a:srcRect l="2556" t="-35485" r="1111" b="38063"/>
+          <a:stretch/>
         </p:blipFill>
         <p:spPr>
           <a:xfrm>
-            <a:off x="457200" y="2204864"/>
-            <a:ext cx="7283152" cy="4464496"/>
+            <a:off x="961703" y="896166"/>
+            <a:ext cx="7016106" cy="4349345"/>
           </a:xfrm>
           <a:prstGeom prst="rect">
             <a:avLst/>
@@ -26226,7 +26225,7 @@
         </p:nvSpPr>
         <p:spPr>
           <a:xfrm>
-            <a:off x="2339752" y="6501244"/>
+            <a:off x="2555776" y="5576015"/>
             <a:ext cx="4990010" cy="369332"/>
           </a:xfrm>
           <a:prstGeom prst="rect">
@@ -26240,6 +26239,13 @@
           </a:bodyPr>
           <a:lstStyle/>
           <a:p>
+            <a:r>
+              <a:rPr lang="pt-BR" sz="1800" dirty="0">
+                <a:latin typeface="Swis721 Cn BT" panose="020B0506020202030204"/>
+                <a:cs typeface="Times New Roman" panose="02020603050405020304" pitchFamily="18" charset="0"/>
+              </a:rPr>
+              <a:t>Adaptado de </a:t>
+            </a:r>
             <a:r>
               <a:rPr lang="pt-BR" sz="1800" dirty="0" err="1">
                 <a:latin typeface="Swis721 Cn BT" panose="020B0506020202030204"/>

--- a/apresentacao doutorado simplificado.pptx
+++ b/apresentacao doutorado simplificado.pptx
@@ -61,8 +61,8 @@
     <p:sldId id="315" r:id="rId49"/>
     <p:sldId id="376" r:id="rId50"/>
     <p:sldId id="316" r:id="rId51"/>
-    <p:sldId id="318" r:id="rId52"/>
-    <p:sldId id="317" r:id="rId53"/>
+    <p:sldId id="317" r:id="rId52"/>
+    <p:sldId id="318" r:id="rId53"/>
     <p:sldId id="378" r:id="rId54"/>
     <p:sldId id="275" r:id="rId55"/>
     <p:sldId id="324" r:id="rId56"/>
@@ -6295,10 +6295,7 @@
             <a:rPr lang="pt-BR" b="1" dirty="0"/>
             <a:t>resolução de problemas</a:t>
           </a:r>
-          <a:r>
-            <a:rPr lang="pt-BR" dirty="0"/>
-            <a:t>,</a:t>
-          </a:r>
+          <a:endParaRPr lang="pt-BR" dirty="0"/>
         </a:p>
       </dgm:t>
     </dgm:pt>
@@ -6336,7 +6333,7 @@
           </a:pPr>
           <a:r>
             <a:rPr lang="pt-BR" b="1" dirty="0"/>
-            <a:t>reatividade diante de Emergências ou Circunstâncias Inesperadas,</a:t>
+            <a:t>reatividade diante de Emergências ou Circunstâncias Inesperadas</a:t>
           </a:r>
           <a:endParaRPr lang="pt-BR" dirty="0"/>
         </a:p>
@@ -6414,8 +6411,8 @@
             <a:defRPr cap="all"/>
           </a:pPr>
           <a:r>
-            <a:rPr lang="pt-BR" b="1"/>
-            <a:t>Treinamento e Aprendizado, </a:t>
+            <a:rPr lang="pt-BR" b="1" dirty="0"/>
+            <a:t>Treinamento e Aprendizado </a:t>
           </a:r>
         </a:p>
       </dgm:t>
@@ -6453,8 +6450,8 @@
             <a:defRPr cap="all"/>
           </a:pPr>
           <a:r>
-            <a:rPr lang="pt-BR" b="1"/>
-            <a:t>Gerenciamento do Estresse.</a:t>
+            <a:rPr lang="pt-BR" b="1" dirty="0"/>
+            <a:t>Gerenciamento do Estresse</a:t>
           </a:r>
         </a:p>
       </dgm:t>
@@ -9788,10 +9785,7 @@
             <a:rPr lang="pt-BR" sz="1100" b="1" kern="1200" dirty="0"/>
             <a:t>resolução de problemas</a:t>
           </a:r>
-          <a:r>
-            <a:rPr lang="pt-BR" sz="1100" kern="1200" dirty="0"/>
-            <a:t>,</a:t>
-          </a:r>
+          <a:endParaRPr lang="pt-BR" sz="1100" kern="1200" dirty="0"/>
         </a:p>
       </dsp:txBody>
       <dsp:txXfrm>
@@ -9940,7 +9934,7 @@
           </a:pPr>
           <a:r>
             <a:rPr lang="pt-BR" sz="1100" b="1" kern="1200" dirty="0"/>
-            <a:t>reatividade diante de Emergências ou Circunstâncias Inesperadas,</a:t>
+            <a:t>reatividade diante de Emergências ou Circunstâncias Inesperadas</a:t>
           </a:r>
           <a:endParaRPr lang="pt-BR" sz="1100" kern="1200" dirty="0"/>
         </a:p>
@@ -10238,8 +10232,8 @@
             <a:defRPr cap="all"/>
           </a:pPr>
           <a:r>
-            <a:rPr lang="pt-BR" sz="1100" b="1" kern="1200"/>
-            <a:t>Treinamento e Aprendizado, </a:t>
+            <a:rPr lang="pt-BR" sz="1100" b="1" kern="1200" dirty="0"/>
+            <a:t>Treinamento e Aprendizado </a:t>
           </a:r>
         </a:p>
       </dsp:txBody>
@@ -10388,8 +10382,8 @@
             <a:defRPr cap="all"/>
           </a:pPr>
           <a:r>
-            <a:rPr lang="pt-BR" sz="1100" b="1" kern="1200"/>
-            <a:t>Gerenciamento do Estresse.</a:t>
+            <a:rPr lang="pt-BR" sz="1100" b="1" kern="1200" dirty="0"/>
+            <a:t>Gerenciamento do Estresse</a:t>
           </a:r>
         </a:p>
       </dsp:txBody>
@@ -22718,7 +22712,7 @@
           <a:p>
             <a:fld id="{8D0A50E8-F985-49B9-B26F-7854039BF0DF}" type="slidenum">
               <a:rPr lang="pt-BR" smtClean="0"/>
-              <a:t>52</a:t>
+              <a:t>51</a:t>
             </a:fld>
             <a:endParaRPr lang="pt-BR"/>
           </a:p>
@@ -26837,45 +26831,6 @@
           </a:p>
         </p:txBody>
       </p:sp>
-      <p:sp>
-        <p:nvSpPr>
-          <p:cNvPr id="6" name="CaixaDeTexto 5">
-            <a:extLst>
-              <a:ext uri="{FF2B5EF4-FFF2-40B4-BE49-F238E27FC236}">
-                <a16:creationId xmlns:a16="http://schemas.microsoft.com/office/drawing/2014/main" id="{3AB4172B-BDD5-46B6-BD68-BAA8BFB4D521}"/>
-              </a:ext>
-            </a:extLst>
-          </p:cNvPr>
-          <p:cNvSpPr txBox="1"/>
-          <p:nvPr/>
-        </p:nvSpPr>
-        <p:spPr>
-          <a:xfrm>
-            <a:off x="5652120" y="283714"/>
-            <a:ext cx="2592288" cy="1569660"/>
-          </a:xfrm>
-          <a:prstGeom prst="rect">
-            <a:avLst/>
-          </a:prstGeom>
-          <a:noFill/>
-        </p:spPr>
-        <p:txBody>
-          <a:bodyPr wrap="square" rtlCol="0">
-            <a:spAutoFit/>
-          </a:bodyPr>
-          <a:lstStyle/>
-          <a:p>
-            <a:r>
-              <a:rPr lang="pt-BR" sz="9600" dirty="0">
-                <a:solidFill>
-                  <a:schemeClr val="accent2"/>
-                </a:solidFill>
-              </a:rPr>
-              <a:t>!</a:t>
-            </a:r>
-          </a:p>
-        </p:txBody>
-      </p:sp>
     </p:spTree>
     <p:extLst>
       <p:ext uri="{BB962C8B-B14F-4D97-AF65-F5344CB8AC3E}">
@@ -27061,7 +27016,7 @@
           <p:nvPr>
             <p:extLst>
               <p:ext uri="{D42A27DB-BD31-4B8C-83A1-F6EECF244321}">
-                <p14:modId xmlns:p14="http://schemas.microsoft.com/office/powerpoint/2010/main" val="2554593184"/>
+                <p14:modId xmlns:p14="http://schemas.microsoft.com/office/powerpoint/2010/main" val="3215318827"/>
               </p:ext>
             </p:extLst>
           </p:nvPr>
@@ -27277,7 +27232,9 @@
         </p:nvSpPr>
         <p:spPr/>
         <p:txBody>
-          <a:bodyPr/>
+          <a:bodyPr>
+            <a:normAutofit lnSpcReduction="10000"/>
+          </a:bodyPr>
           <a:lstStyle/>
           <a:p>
             <a:r>
@@ -27290,16 +27247,30 @@
             </a:r>
           </a:p>
           <a:p>
-            <a:r>
-              <a:rPr lang="pt-BR" dirty="0">
+            <a:pPr lvl="1"/>
+            <a:r>
+              <a:rPr lang="pt-BR" sz="2400" dirty="0"/>
+              <a:t>identificou os construtos que compõem as competências adaptativas;</a:t>
+            </a:r>
+          </a:p>
+          <a:p>
+            <a:pPr lvl="1"/>
+            <a:r>
+              <a:rPr lang="pt-BR" sz="2400" dirty="0"/>
+              <a:t>analisou as relações entre os construtos para delimitar o modelo de competências adaptativas em equipes de software como SAC</a:t>
+            </a:r>
+          </a:p>
+          <a:p>
+            <a:pPr lvl="1"/>
+            <a:r>
+              <a:rPr lang="pt-BR" sz="2400" dirty="0">
                 <a:effectLst/>
                 <a:latin typeface="Swis721 Cn BT" panose="020B0506020202030204"/>
                 <a:ea typeface="Times New Roman" panose="02020603050405020304" pitchFamily="18" charset="0"/>
+                <a:cs typeface="Times New Roman" panose="02020603050405020304" pitchFamily="18" charset="0"/>
               </a:rPr>
-              <a:t>modelo de competências à luz da adaptabilidade. (Domínio específico)</a:t>
-            </a:r>
-          </a:p>
-          <a:p>
+              <a:t>Controle emocional, busca por ajuda, resiliência, autoaprendizagem, liderança para cooperação, resolução de problemas e liderança para coordenação</a:t>
+            </a:r>
             <a:r>
               <a:rPr lang="pt-BR" dirty="0">
                 <a:effectLst/>
@@ -27307,7 +27278,7 @@
                 <a:ea typeface="Times New Roman" panose="02020603050405020304" pitchFamily="18" charset="0"/>
                 <a:cs typeface="Times New Roman" panose="02020603050405020304" pitchFamily="18" charset="0"/>
               </a:rPr>
-              <a:t>Controle emocional, busca por ajuda, resiliência, autoaprendizagem, liderança para cooperação, resolução de problemas e liderança para coordenação.</a:t>
+              <a:t>.</a:t>
             </a:r>
             <a:endParaRPr lang="pt-BR" dirty="0"/>
           </a:p>
@@ -27339,45 +27310,6 @@
               <a:t>20</a:t>
             </a:fld>
             <a:endParaRPr lang="en-US" dirty="0"/>
-          </a:p>
-        </p:txBody>
-      </p:sp>
-      <p:sp>
-        <p:nvSpPr>
-          <p:cNvPr id="5" name="CaixaDeTexto 4">
-            <a:extLst>
-              <a:ext uri="{FF2B5EF4-FFF2-40B4-BE49-F238E27FC236}">
-                <a16:creationId xmlns:a16="http://schemas.microsoft.com/office/drawing/2014/main" id="{FA950611-9F12-4A22-9184-70D0E8D058DD}"/>
-              </a:ext>
-            </a:extLst>
-          </p:cNvPr>
-          <p:cNvSpPr txBox="1"/>
-          <p:nvPr/>
-        </p:nvSpPr>
-        <p:spPr>
-          <a:xfrm>
-            <a:off x="5652120" y="283714"/>
-            <a:ext cx="2592288" cy="1569660"/>
-          </a:xfrm>
-          <a:prstGeom prst="rect">
-            <a:avLst/>
-          </a:prstGeom>
-          <a:noFill/>
-        </p:spPr>
-        <p:txBody>
-          <a:bodyPr wrap="square" rtlCol="0">
-            <a:spAutoFit/>
-          </a:bodyPr>
-          <a:lstStyle/>
-          <a:p>
-            <a:r>
-              <a:rPr lang="pt-BR" sz="9600" dirty="0">
-                <a:solidFill>
-                  <a:schemeClr val="accent2"/>
-                </a:solidFill>
-              </a:rPr>
-              <a:t>!</a:t>
-            </a:r>
           </a:p>
         </p:txBody>
       </p:sp>
@@ -29297,7 +29229,25 @@
                 <a:ea typeface="Times New Roman" panose="02020603050405020304" pitchFamily="18" charset="0"/>
                 <a:cs typeface="Times New Roman" panose="02020603050405020304" pitchFamily="18" charset="0"/>
               </a:rPr>
-              <a:t>Mudanças de membros, de requisitos, atualizações na linguagem de programação e pressão no cronograma (BOEHM, 2007; MELNIK; MAURER, 2006). </a:t>
+              <a:t>Mudanças de membros, de requisitos, atualizações na linguagem de programação </a:t>
+            </a:r>
+            <a:r>
+              <a:rPr lang="pt-BR">
+                <a:effectLst/>
+                <a:latin typeface="Swis721 Cn BT" panose="020B0506020202030204"/>
+                <a:ea typeface="Times New Roman" panose="02020603050405020304" pitchFamily="18" charset="0"/>
+                <a:cs typeface="Times New Roman" panose="02020603050405020304" pitchFamily="18" charset="0"/>
+              </a:rPr>
+              <a:t>e mudanças no </a:t>
+            </a:r>
+            <a:r>
+              <a:rPr lang="pt-BR" dirty="0">
+                <a:effectLst/>
+                <a:latin typeface="Swis721 Cn BT" panose="020B0506020202030204"/>
+                <a:ea typeface="Times New Roman" panose="02020603050405020304" pitchFamily="18" charset="0"/>
+                <a:cs typeface="Times New Roman" panose="02020603050405020304" pitchFamily="18" charset="0"/>
+              </a:rPr>
+              <a:t>cronograma (BOEHM, 2007; MELNIK; MAURER, 2006). </a:t>
             </a:r>
           </a:p>
           <a:p>
@@ -38775,6 +38725,158 @@
           <a:p>
             <a:r>
               <a:rPr lang="pt-BR" dirty="0"/>
+              <a:t>Resultados Correlação – Adaptabilidade Individual</a:t>
+            </a:r>
+          </a:p>
+        </p:txBody>
+      </p:sp>
+      <p:pic>
+        <p:nvPicPr>
+          <p:cNvPr id="5" name="Imagem 4">
+            <a:extLst>
+              <a:ext uri="{FF2B5EF4-FFF2-40B4-BE49-F238E27FC236}">
+                <a16:creationId xmlns:a16="http://schemas.microsoft.com/office/drawing/2014/main" id="{0F62D989-EA10-47F5-A2BF-CB9D1C073174}"/>
+              </a:ext>
+            </a:extLst>
+          </p:cNvPr>
+          <p:cNvPicPr>
+            <a:picLocks noChangeAspect="1"/>
+          </p:cNvPicPr>
+          <p:nvPr/>
+        </p:nvPicPr>
+        <p:blipFill>
+          <a:blip r:embed="rId3"/>
+          <a:stretch>
+            <a:fillRect/>
+          </a:stretch>
+        </p:blipFill>
+        <p:spPr>
+          <a:xfrm>
+            <a:off x="320107" y="3140968"/>
+            <a:ext cx="9001000" cy="3096344"/>
+          </a:xfrm>
+          <a:prstGeom prst="rect">
+            <a:avLst/>
+          </a:prstGeom>
+        </p:spPr>
+      </p:pic>
+      <p:sp>
+        <p:nvSpPr>
+          <p:cNvPr id="3" name="Espaço Reservado para Número de Slide 2">
+            <a:extLst>
+              <a:ext uri="{FF2B5EF4-FFF2-40B4-BE49-F238E27FC236}">
+                <a16:creationId xmlns:a16="http://schemas.microsoft.com/office/drawing/2014/main" id="{5781511B-57BB-444D-843E-A1FEB301232E}"/>
+              </a:ext>
+            </a:extLst>
+          </p:cNvPr>
+          <p:cNvSpPr>
+            <a:spLocks noGrp="1"/>
+          </p:cNvSpPr>
+          <p:nvPr>
+            <p:ph type="sldNum" sz="quarter" idx="12"/>
+          </p:nvPr>
+        </p:nvSpPr>
+        <p:spPr/>
+        <p:txBody>
+          <a:bodyPr/>
+          <a:lstStyle/>
+          <a:p>
+            <a:fld id="{6D22F896-40B5-4ADD-8801-0D06FADFA095}" type="slidenum">
+              <a:rPr lang="en-US" smtClean="0"/>
+              <a:t>51</a:t>
+            </a:fld>
+            <a:endParaRPr lang="en-US" dirty="0"/>
+          </a:p>
+        </p:txBody>
+      </p:sp>
+      <p:sp>
+        <p:nvSpPr>
+          <p:cNvPr id="6" name="CaixaDeTexto 5">
+            <a:extLst>
+              <a:ext uri="{FF2B5EF4-FFF2-40B4-BE49-F238E27FC236}">
+                <a16:creationId xmlns:a16="http://schemas.microsoft.com/office/drawing/2014/main" id="{43BA2B33-7681-4504-9813-FDB608FEF72F}"/>
+              </a:ext>
+            </a:extLst>
+          </p:cNvPr>
+          <p:cNvSpPr txBox="1"/>
+          <p:nvPr/>
+        </p:nvSpPr>
+        <p:spPr>
+          <a:xfrm>
+            <a:off x="2483768" y="2668270"/>
+            <a:ext cx="4896544" cy="369332"/>
+          </a:xfrm>
+          <a:prstGeom prst="rect">
+            <a:avLst/>
+          </a:prstGeom>
+          <a:noFill/>
+        </p:spPr>
+        <p:txBody>
+          <a:bodyPr wrap="square" rtlCol="0">
+            <a:spAutoFit/>
+          </a:bodyPr>
+          <a:lstStyle/>
+          <a:p>
+            <a:r>
+              <a:rPr lang="pt-BR" dirty="0"/>
+              <a:t>Tabela 12– Correlações entre itens</a:t>
+            </a:r>
+          </a:p>
+        </p:txBody>
+      </p:sp>
+    </p:spTree>
+    <p:extLst>
+      <p:ext uri="{BB962C8B-B14F-4D97-AF65-F5344CB8AC3E}">
+        <p14:creationId xmlns:p14="http://schemas.microsoft.com/office/powerpoint/2010/main" val="1645984542"/>
+      </p:ext>
+    </p:extLst>
+  </p:cSld>
+  <p:clrMapOvr>
+    <a:masterClrMapping/>
+  </p:clrMapOvr>
+</p:sld>
+</file>
+
+<file path=ppt/slides/slide52.xml><?xml version="1.0" encoding="utf-8"?>
+<p:sld xmlns:a="http://schemas.openxmlformats.org/drawingml/2006/main" xmlns:r="http://schemas.openxmlformats.org/officeDocument/2006/relationships" xmlns:p="http://schemas.openxmlformats.org/presentationml/2006/main">
+  <p:cSld>
+    <p:spTree>
+      <p:nvGrpSpPr>
+        <p:cNvPr id="1" name=""/>
+        <p:cNvGrpSpPr/>
+        <p:nvPr/>
+      </p:nvGrpSpPr>
+      <p:grpSpPr>
+        <a:xfrm>
+          <a:off x="0" y="0"/>
+          <a:ext cx="0" cy="0"/>
+          <a:chOff x="0" y="0"/>
+          <a:chExt cx="0" cy="0"/>
+        </a:xfrm>
+      </p:grpSpPr>
+      <p:sp>
+        <p:nvSpPr>
+          <p:cNvPr id="2" name="Título 1">
+            <a:extLst>
+              <a:ext uri="{FF2B5EF4-FFF2-40B4-BE49-F238E27FC236}">
+                <a16:creationId xmlns:a16="http://schemas.microsoft.com/office/drawing/2014/main" id="{1AC5E6FF-D9E3-41C4-9A2E-BA1B07FD1BB3}"/>
+              </a:ext>
+            </a:extLst>
+          </p:cNvPr>
+          <p:cNvSpPr>
+            <a:spLocks noGrp="1"/>
+          </p:cNvSpPr>
+          <p:nvPr>
+            <p:ph type="title"/>
+          </p:nvPr>
+        </p:nvSpPr>
+        <p:spPr/>
+        <p:txBody>
+          <a:bodyPr/>
+          <a:lstStyle/>
+          <a:p>
+            <a:r>
+              <a:rPr lang="pt-BR" dirty="0"/>
               <a:t>Resultados Confiabilidade – Adaptabilidade Individual</a:t>
             </a:r>
           </a:p>
@@ -38833,7 +38935,7 @@
           <a:p>
             <a:fld id="{6D22F896-40B5-4ADD-8801-0D06FADFA095}" type="slidenum">
               <a:rPr lang="en-US" smtClean="0"/>
-              <a:t>51</a:t>
+              <a:t>52</a:t>
             </a:fld>
             <a:endParaRPr lang="en-US" dirty="0"/>
           </a:p>
@@ -38886,197 +38988,6 @@
     <p:extLst>
       <p:ext uri="{BB962C8B-B14F-4D97-AF65-F5344CB8AC3E}">
         <p14:creationId xmlns:p14="http://schemas.microsoft.com/office/powerpoint/2010/main" val="2710524777"/>
-      </p:ext>
-    </p:extLst>
-  </p:cSld>
-  <p:clrMapOvr>
-    <a:masterClrMapping/>
-  </p:clrMapOvr>
-</p:sld>
-</file>
-
-<file path=ppt/slides/slide52.xml><?xml version="1.0" encoding="utf-8"?>
-<p:sld xmlns:a="http://schemas.openxmlformats.org/drawingml/2006/main" xmlns:r="http://schemas.openxmlformats.org/officeDocument/2006/relationships" xmlns:p="http://schemas.openxmlformats.org/presentationml/2006/main" show="0">
-  <p:cSld>
-    <p:spTree>
-      <p:nvGrpSpPr>
-        <p:cNvPr id="1" name=""/>
-        <p:cNvGrpSpPr/>
-        <p:nvPr/>
-      </p:nvGrpSpPr>
-      <p:grpSpPr>
-        <a:xfrm>
-          <a:off x="0" y="0"/>
-          <a:ext cx="0" cy="0"/>
-          <a:chOff x="0" y="0"/>
-          <a:chExt cx="0" cy="0"/>
-        </a:xfrm>
-      </p:grpSpPr>
-      <p:sp>
-        <p:nvSpPr>
-          <p:cNvPr id="2" name="Título 1">
-            <a:extLst>
-              <a:ext uri="{FF2B5EF4-FFF2-40B4-BE49-F238E27FC236}">
-                <a16:creationId xmlns:a16="http://schemas.microsoft.com/office/drawing/2014/main" id="{1AC5E6FF-D9E3-41C4-9A2E-BA1B07FD1BB3}"/>
-              </a:ext>
-            </a:extLst>
-          </p:cNvPr>
-          <p:cNvSpPr>
-            <a:spLocks noGrp="1"/>
-          </p:cNvSpPr>
-          <p:nvPr>
-            <p:ph type="title"/>
-          </p:nvPr>
-        </p:nvSpPr>
-        <p:spPr/>
-        <p:txBody>
-          <a:bodyPr/>
-          <a:lstStyle/>
-          <a:p>
-            <a:r>
-              <a:rPr lang="pt-BR" dirty="0"/>
-              <a:t>Resultados Correlação – Adaptabilidade Individual</a:t>
-            </a:r>
-          </a:p>
-        </p:txBody>
-      </p:sp>
-      <p:pic>
-        <p:nvPicPr>
-          <p:cNvPr id="5" name="Imagem 4">
-            <a:extLst>
-              <a:ext uri="{FF2B5EF4-FFF2-40B4-BE49-F238E27FC236}">
-                <a16:creationId xmlns:a16="http://schemas.microsoft.com/office/drawing/2014/main" id="{0F62D989-EA10-47F5-A2BF-CB9D1C073174}"/>
-              </a:ext>
-            </a:extLst>
-          </p:cNvPr>
-          <p:cNvPicPr>
-            <a:picLocks noChangeAspect="1"/>
-          </p:cNvPicPr>
-          <p:nvPr/>
-        </p:nvPicPr>
-        <p:blipFill>
-          <a:blip r:embed="rId3"/>
-          <a:stretch>
-            <a:fillRect/>
-          </a:stretch>
-        </p:blipFill>
-        <p:spPr>
-          <a:xfrm>
-            <a:off x="320107" y="3140968"/>
-            <a:ext cx="9001000" cy="3096344"/>
-          </a:xfrm>
-          <a:prstGeom prst="rect">
-            <a:avLst/>
-          </a:prstGeom>
-        </p:spPr>
-      </p:pic>
-      <p:sp>
-        <p:nvSpPr>
-          <p:cNvPr id="3" name="Espaço Reservado para Número de Slide 2">
-            <a:extLst>
-              <a:ext uri="{FF2B5EF4-FFF2-40B4-BE49-F238E27FC236}">
-                <a16:creationId xmlns:a16="http://schemas.microsoft.com/office/drawing/2014/main" id="{5781511B-57BB-444D-843E-A1FEB301232E}"/>
-              </a:ext>
-            </a:extLst>
-          </p:cNvPr>
-          <p:cNvSpPr>
-            <a:spLocks noGrp="1"/>
-          </p:cNvSpPr>
-          <p:nvPr>
-            <p:ph type="sldNum" sz="quarter" idx="12"/>
-          </p:nvPr>
-        </p:nvSpPr>
-        <p:spPr/>
-        <p:txBody>
-          <a:bodyPr/>
-          <a:lstStyle/>
-          <a:p>
-            <a:fld id="{6D22F896-40B5-4ADD-8801-0D06FADFA095}" type="slidenum">
-              <a:rPr lang="en-US" smtClean="0"/>
-              <a:t>52</a:t>
-            </a:fld>
-            <a:endParaRPr lang="en-US" dirty="0"/>
-          </a:p>
-        </p:txBody>
-      </p:sp>
-      <p:sp>
-        <p:nvSpPr>
-          <p:cNvPr id="6" name="CaixaDeTexto 5">
-            <a:extLst>
-              <a:ext uri="{FF2B5EF4-FFF2-40B4-BE49-F238E27FC236}">
-                <a16:creationId xmlns:a16="http://schemas.microsoft.com/office/drawing/2014/main" id="{43BA2B33-7681-4504-9813-FDB608FEF72F}"/>
-              </a:ext>
-            </a:extLst>
-          </p:cNvPr>
-          <p:cNvSpPr txBox="1"/>
-          <p:nvPr/>
-        </p:nvSpPr>
-        <p:spPr>
-          <a:xfrm>
-            <a:off x="2483768" y="2668270"/>
-            <a:ext cx="4896544" cy="369332"/>
-          </a:xfrm>
-          <a:prstGeom prst="rect">
-            <a:avLst/>
-          </a:prstGeom>
-          <a:noFill/>
-        </p:spPr>
-        <p:txBody>
-          <a:bodyPr wrap="square" rtlCol="0">
-            <a:spAutoFit/>
-          </a:bodyPr>
-          <a:lstStyle/>
-          <a:p>
-            <a:r>
-              <a:rPr lang="pt-BR" dirty="0"/>
-              <a:t>Tabela 12– Correlações entre itens</a:t>
-            </a:r>
-          </a:p>
-        </p:txBody>
-      </p:sp>
-      <p:sp>
-        <p:nvSpPr>
-          <p:cNvPr id="7" name="CaixaDeTexto 6">
-            <a:extLst>
-              <a:ext uri="{FF2B5EF4-FFF2-40B4-BE49-F238E27FC236}">
-                <a16:creationId xmlns:a16="http://schemas.microsoft.com/office/drawing/2014/main" id="{7E816034-7095-4B41-BF97-9FAE70C80228}"/>
-              </a:ext>
-            </a:extLst>
-          </p:cNvPr>
-          <p:cNvSpPr txBox="1"/>
-          <p:nvPr/>
-        </p:nvSpPr>
-        <p:spPr>
-          <a:xfrm>
-            <a:off x="5652120" y="283714"/>
-            <a:ext cx="2592288" cy="1569660"/>
-          </a:xfrm>
-          <a:prstGeom prst="rect">
-            <a:avLst/>
-          </a:prstGeom>
-          <a:noFill/>
-        </p:spPr>
-        <p:txBody>
-          <a:bodyPr wrap="square" rtlCol="0">
-            <a:spAutoFit/>
-          </a:bodyPr>
-          <a:lstStyle/>
-          <a:p>
-            <a:r>
-              <a:rPr lang="pt-BR" sz="9600" dirty="0">
-                <a:solidFill>
-                  <a:schemeClr val="accent2"/>
-                </a:solidFill>
-              </a:rPr>
-              <a:t>!</a:t>
-            </a:r>
-          </a:p>
-        </p:txBody>
-      </p:sp>
-    </p:spTree>
-    <p:extLst>
-      <p:ext uri="{BB962C8B-B14F-4D97-AF65-F5344CB8AC3E}">
-        <p14:creationId xmlns:p14="http://schemas.microsoft.com/office/powerpoint/2010/main" val="1645984542"/>
       </p:ext>
     </p:extLst>
   </p:cSld>
@@ -41382,14 +41293,8 @@
                 <a:ea typeface="Times New Roman" panose="02020603050405020304" pitchFamily="18" charset="0"/>
                 <a:cs typeface="Times New Roman" panose="02020603050405020304" pitchFamily="18" charset="0"/>
               </a:rPr>
-              <a:t>Primeiro trabalho na ES que foca na Adaptabilidade como característica individual no domínio geral;</a:t>
-            </a:r>
-            <a:endParaRPr lang="pt-BR" sz="1800" b="1" dirty="0">
-              <a:effectLst/>
-              <a:latin typeface="Arial" panose="020B0604020202020204" pitchFamily="34" charset="0"/>
-              <a:ea typeface="Times New Roman" panose="02020603050405020304" pitchFamily="18" charset="0"/>
-              <a:cs typeface="Times New Roman" panose="02020603050405020304" pitchFamily="18" charset="0"/>
-            </a:endParaRPr>
+              <a:t>Primeiro trabalho na ES que foca na Adaptabilidade como característica individual </a:t>
+            </a:r>
           </a:p>
           <a:p>
             <a:r>
@@ -41869,15 +41774,22 @@
           </a:bodyPr>
           <a:lstStyle/>
           <a:p>
-            <a:pPr indent="0" algn="just">
+            <a:pPr marL="628650" indent="-285750" algn="just">
               <a:lnSpc>
                 <a:spcPct val="150000"/>
               </a:lnSpc>
               <a:spcAft>
                 <a:spcPts val="600"/>
               </a:spcAft>
-              <a:buNone/>
             </a:pPr>
+            <a:r>
+              <a:rPr lang="pt-BR" sz="1800" b="1" dirty="0">
+                <a:latin typeface="Arial" panose="020B0604020202020204" pitchFamily="34" charset="0"/>
+                <a:ea typeface="Times New Roman" panose="02020603050405020304" pitchFamily="18" charset="0"/>
+                <a:cs typeface="Times New Roman" panose="02020603050405020304" pitchFamily="18" charset="0"/>
+              </a:rPr>
+              <a:t>I</a:t>
+            </a:r>
             <a:r>
               <a:rPr lang="pt-BR" sz="1800" b="1" dirty="0">
                 <a:effectLst/>
@@ -41885,7 +41797,7 @@
                 <a:ea typeface="Times New Roman" panose="02020603050405020304" pitchFamily="18" charset="0"/>
                 <a:cs typeface="Times New Roman" panose="02020603050405020304" pitchFamily="18" charset="0"/>
               </a:rPr>
-              <a:t>instabilidades da equipe e da tarefa </a:t>
+              <a:t>nstabilidades da equipe e da tarefa </a:t>
             </a:r>
             <a:r>
               <a:rPr lang="pt-BR" sz="1800" dirty="0">
@@ -41916,14 +41828,13 @@
             </a:r>
           </a:p>
           <a:p>
-            <a:pPr indent="0" algn="just">
+            <a:pPr marL="628650" indent="-285750" algn="just">
               <a:lnSpc>
                 <a:spcPct val="150000"/>
               </a:lnSpc>
               <a:spcAft>
                 <a:spcPts val="600"/>
               </a:spcAft>
-              <a:buNone/>
             </a:pPr>
             <a:r>
               <a:rPr lang="pt-BR" sz="1800" b="1" dirty="0">
@@ -43268,17 +43179,6 @@
               </a:rPr>
               <a:t>É importante entender também a direção da relação entre o burnout e a adaptabilidade individual e os motivos de ela ocorrer. </a:t>
             </a:r>
-            <a:r>
-              <a:rPr lang="pt-BR" sz="2000" dirty="0">
-                <a:effectLst/>
-                <a:latin typeface="Swis721 Cn BT" panose="020B0506020202030204"/>
-                <a:ea typeface="Times New Roman" panose="02020603050405020304" pitchFamily="18" charset="0"/>
-                <a:cs typeface="Times New Roman" panose="02020603050405020304" pitchFamily="18" charset="0"/>
-              </a:rPr>
-              <a:t>Uma possível suposição a ser investigada é que a adaptabilidade individual leva indivíduos a se sentirem mais adequados para suas funções e, por isso, com menores índices de burnout. </a:t>
-            </a:r>
-          </a:p>
-          <a:p>
             <a:endParaRPr lang="pt-BR" sz="2000" dirty="0">
               <a:latin typeface="Swis721 Cn BT" panose="020B0506020202030204"/>
             </a:endParaRPr>
@@ -43793,37 +43693,6 @@
               </a:rPr>
               <a:t>-&gt;  A percepção de um conjunto de situações que podem levar o individuo ou a equipe a se adaptar.</a:t>
             </a:r>
-          </a:p>
-          <a:p>
-            <a:r>
-              <a:rPr lang="pt-BR" sz="2400" dirty="0">
-                <a:effectLst/>
-                <a:latin typeface="Arial" panose="020B0604020202020204" pitchFamily="34" charset="0"/>
-                <a:ea typeface="Times New Roman" panose="02020603050405020304" pitchFamily="18" charset="0"/>
-              </a:rPr>
-              <a:t>Liu et al. (2011):</a:t>
-            </a:r>
-            <a:r>
-              <a:rPr lang="pt-BR" sz="2400" b="1" dirty="0">
-                <a:effectLst/>
-                <a:latin typeface="Arial" panose="020B0604020202020204" pitchFamily="34" charset="0"/>
-                <a:ea typeface="Times New Roman" panose="02020603050405020304" pitchFamily="18" charset="0"/>
-              </a:rPr>
-              <a:t> </a:t>
-            </a:r>
-            <a:r>
-              <a:rPr lang="pt-BR" sz="2400" dirty="0">
-                <a:effectLst/>
-                <a:latin typeface="Arial" panose="020B0604020202020204" pitchFamily="34" charset="0"/>
-                <a:ea typeface="Times New Roman" panose="02020603050405020304" pitchFamily="18" charset="0"/>
-              </a:rPr>
-              <a:t>instabilidade dos requisitos e os conflitos interpessoais </a:t>
-            </a:r>
-          </a:p>
-          <a:p>
-            <a:pPr marL="0" indent="0">
-              <a:buNone/>
-            </a:pPr>
             <a:endParaRPr lang="pt-BR" sz="2400" dirty="0">
               <a:effectLst/>
               <a:latin typeface="Swis721 Cn BT" panose="020B0506020202030204"/>

--- a/apresentacao doutorado simplificado.pptx
+++ b/apresentacao doutorado simplificado.pptx
@@ -5670,7 +5670,7 @@
         <a:p>
           <a:r>
             <a:rPr lang="pt-BR" b="1" dirty="0"/>
-            <a:t>Poucos estudos investigam buscam entender a adaptabilidade na Engenharia de Software</a:t>
+            <a:t>Poucos estudos buscam entender a adaptabilidade na Engenharia de Software</a:t>
           </a:r>
         </a:p>
       </dgm:t>
@@ -8873,12 +8873,12 @@
         </a:fontRef>
       </dsp:style>
       <dsp:txBody>
-        <a:bodyPr spcFirstLastPara="0" vert="horz" wrap="square" lIns="87630" tIns="87630" rIns="87630" bIns="87630" numCol="1" spcCol="1270" anchor="ctr" anchorCtr="0">
+        <a:bodyPr spcFirstLastPara="0" vert="horz" wrap="square" lIns="95250" tIns="95250" rIns="95250" bIns="95250" numCol="1" spcCol="1270" anchor="ctr" anchorCtr="0">
           <a:noAutofit/>
         </a:bodyPr>
         <a:lstStyle/>
         <a:p>
-          <a:pPr marL="0" lvl="0" indent="0" algn="l" defTabSz="1022350">
+          <a:pPr marL="0" lvl="0" indent="0" algn="l" defTabSz="1111250">
             <a:lnSpc>
               <a:spcPct val="90000"/>
             </a:lnSpc>
@@ -8891,7 +8891,7 @@
             <a:buNone/>
           </a:pPr>
           <a:r>
-            <a:rPr lang="pt-BR" sz="2300" b="1" kern="1200" dirty="0"/>
+            <a:rPr lang="pt-BR" sz="2500" b="1" kern="1200" dirty="0"/>
             <a:t>Como medir? </a:t>
           </a:r>
         </a:p>
@@ -8952,12 +8952,12 @@
         </a:fontRef>
       </dsp:style>
       <dsp:txBody>
-        <a:bodyPr spcFirstLastPara="0" vert="horz" wrap="square" lIns="87630" tIns="87630" rIns="87630" bIns="87630" numCol="1" spcCol="1270" anchor="ctr" anchorCtr="0">
+        <a:bodyPr spcFirstLastPara="0" vert="horz" wrap="square" lIns="95250" tIns="95250" rIns="95250" bIns="95250" numCol="1" spcCol="1270" anchor="ctr" anchorCtr="0">
           <a:noAutofit/>
         </a:bodyPr>
         <a:lstStyle/>
         <a:p>
-          <a:pPr marL="0" lvl="0" indent="0" algn="l" defTabSz="1022350">
+          <a:pPr marL="0" lvl="0" indent="0" algn="l" defTabSz="1111250">
             <a:lnSpc>
               <a:spcPct val="90000"/>
             </a:lnSpc>
@@ -8970,8 +8970,8 @@
             <a:buNone/>
           </a:pPr>
           <a:r>
-            <a:rPr lang="pt-BR" sz="2300" b="1" kern="1200" dirty="0"/>
-            <a:t>Poucos estudos investigam buscam entender a adaptabilidade na Engenharia de Software</a:t>
+            <a:rPr lang="pt-BR" sz="2500" b="1" kern="1200" dirty="0"/>
+            <a:t>Poucos estudos buscam entender a adaptabilidade na Engenharia de Software</a:t>
           </a:r>
         </a:p>
       </dsp:txBody>
@@ -9031,12 +9031,12 @@
         </a:fontRef>
       </dsp:style>
       <dsp:txBody>
-        <a:bodyPr spcFirstLastPara="0" vert="horz" wrap="square" lIns="87630" tIns="87630" rIns="87630" bIns="87630" numCol="1" spcCol="1270" anchor="ctr" anchorCtr="0">
+        <a:bodyPr spcFirstLastPara="0" vert="horz" wrap="square" lIns="95250" tIns="95250" rIns="95250" bIns="95250" numCol="1" spcCol="1270" anchor="ctr" anchorCtr="0">
           <a:noAutofit/>
         </a:bodyPr>
         <a:lstStyle/>
         <a:p>
-          <a:pPr marL="0" lvl="0" indent="0" algn="l" defTabSz="1022350">
+          <a:pPr marL="0" lvl="0" indent="0" algn="l" defTabSz="1111250">
             <a:lnSpc>
               <a:spcPct val="90000"/>
             </a:lnSpc>
@@ -9049,7 +9049,7 @@
             <a:buNone/>
           </a:pPr>
           <a:r>
-            <a:rPr lang="pt-BR" sz="2300" b="1" kern="1200" dirty="0"/>
+            <a:rPr lang="pt-BR" sz="2500" b="1" kern="1200" dirty="0"/>
             <a:t>Ausência de estudos adaptabilidade como Características individual </a:t>
           </a:r>
         </a:p>
@@ -40549,6 +40549,134 @@
             </a:pPr>
             <a:r>
               <a:rPr lang="pt-BR" sz="1800" b="1" dirty="0">
+                <a:effectLst/>
+                <a:latin typeface="Arial" panose="020B0604020202020204" pitchFamily="34" charset="0"/>
+                <a:ea typeface="Times New Roman" panose="02020603050405020304" pitchFamily="18" charset="0"/>
+              </a:rPr>
+              <a:t>Relação negativa entre o burnou</a:t>
+            </a:r>
+            <a:r>
+              <a:rPr lang="pt-BR" sz="1800" b="1" dirty="0">
+                <a:latin typeface="Arial" panose="020B0604020202020204" pitchFamily="34" charset="0"/>
+                <a:ea typeface="Times New Roman" panose="02020603050405020304" pitchFamily="18" charset="0"/>
+              </a:rPr>
+              <a:t>t e a satisfação (</a:t>
+            </a:r>
+            <a:r>
+              <a:rPr lang="pt-BR" sz="1800" dirty="0" err="1">
+                <a:effectLst/>
+                <a:latin typeface="Arial" panose="020B0604020202020204" pitchFamily="34" charset="0"/>
+                <a:ea typeface="Times New Roman" panose="02020603050405020304" pitchFamily="18" charset="0"/>
+              </a:rPr>
+              <a:t>Zedeck</a:t>
+            </a:r>
+            <a:r>
+              <a:rPr lang="pt-BR" sz="1800" dirty="0">
+                <a:effectLst/>
+                <a:latin typeface="Arial" panose="020B0604020202020204" pitchFamily="34" charset="0"/>
+                <a:ea typeface="Times New Roman" panose="02020603050405020304" pitchFamily="18" charset="0"/>
+              </a:rPr>
+              <a:t> </a:t>
+            </a:r>
+            <a:r>
+              <a:rPr lang="pt-BR" sz="1800" i="1" dirty="0">
+                <a:effectLst/>
+                <a:latin typeface="Arial" panose="020B0604020202020204" pitchFamily="34" charset="0"/>
+                <a:ea typeface="Times New Roman" panose="02020603050405020304" pitchFamily="18" charset="0"/>
+              </a:rPr>
+              <a:t>et al.</a:t>
+            </a:r>
+            <a:r>
+              <a:rPr lang="pt-BR" sz="1800" i="1" dirty="0">
+                <a:latin typeface="Arial" panose="020B0604020202020204" pitchFamily="34" charset="0"/>
+                <a:ea typeface="Times New Roman" panose="02020603050405020304" pitchFamily="18" charset="0"/>
+              </a:rPr>
+              <a:t> </a:t>
+            </a:r>
+            <a:r>
+              <a:rPr lang="pt-BR" sz="1800" dirty="0">
+                <a:effectLst/>
+                <a:latin typeface="Arial" panose="020B0604020202020204" pitchFamily="34" charset="0"/>
+                <a:ea typeface="Times New Roman" panose="02020603050405020304" pitchFamily="18" charset="0"/>
+              </a:rPr>
+              <a:t>1988 </a:t>
+            </a:r>
+            <a:r>
+              <a:rPr lang="pt-BR" sz="1800" dirty="0" err="1">
+                <a:effectLst/>
+                <a:latin typeface="Arial" panose="020B0604020202020204" pitchFamily="34" charset="0"/>
+                <a:ea typeface="Times New Roman" panose="02020603050405020304" pitchFamily="18" charset="0"/>
+              </a:rPr>
+              <a:t>Skaalvik</a:t>
+            </a:r>
+            <a:r>
+              <a:rPr lang="pt-BR" sz="1800" dirty="0">
+                <a:effectLst/>
+                <a:latin typeface="Arial" panose="020B0604020202020204" pitchFamily="34" charset="0"/>
+                <a:ea typeface="Times New Roman" panose="02020603050405020304" pitchFamily="18" charset="0"/>
+              </a:rPr>
+              <a:t> e </a:t>
+            </a:r>
+            <a:r>
+              <a:rPr lang="pt-BR" sz="1800" dirty="0" err="1">
+                <a:effectLst/>
+                <a:latin typeface="Arial" panose="020B0604020202020204" pitchFamily="34" charset="0"/>
+                <a:ea typeface="Times New Roman" panose="02020603050405020304" pitchFamily="18" charset="0"/>
+              </a:rPr>
+              <a:t>Skaalvik</a:t>
+            </a:r>
+            <a:r>
+              <a:rPr lang="pt-BR" sz="1800" dirty="0">
+                <a:effectLst/>
+                <a:latin typeface="Arial" panose="020B0604020202020204" pitchFamily="34" charset="0"/>
+                <a:ea typeface="Times New Roman" panose="02020603050405020304" pitchFamily="18" charset="0"/>
+              </a:rPr>
+              <a:t> 2009 Griffin </a:t>
+            </a:r>
+            <a:r>
+              <a:rPr lang="pt-BR" sz="1800" i="1" dirty="0">
+                <a:effectLst/>
+                <a:latin typeface="Arial" panose="020B0604020202020204" pitchFamily="34" charset="0"/>
+                <a:ea typeface="Times New Roman" panose="02020603050405020304" pitchFamily="18" charset="0"/>
+              </a:rPr>
+              <a:t>et al. </a:t>
+            </a:r>
+            <a:r>
+              <a:rPr lang="pt-BR" sz="1800" dirty="0">
+                <a:effectLst/>
+                <a:latin typeface="Arial" panose="020B0604020202020204" pitchFamily="34" charset="0"/>
+                <a:ea typeface="Times New Roman" panose="02020603050405020304" pitchFamily="18" charset="0"/>
+              </a:rPr>
+              <a:t>2010 </a:t>
+            </a:r>
+            <a:r>
+              <a:rPr lang="pt-BR" sz="1800" dirty="0" err="1">
+                <a:effectLst/>
+                <a:latin typeface="Arial" panose="020B0604020202020204" pitchFamily="34" charset="0"/>
+                <a:ea typeface="Times New Roman" panose="02020603050405020304" pitchFamily="18" charset="0"/>
+              </a:rPr>
+              <a:t>Scanlan</a:t>
+            </a:r>
+            <a:r>
+              <a:rPr lang="pt-BR" sz="1800" dirty="0">
+                <a:effectLst/>
+                <a:latin typeface="Arial" panose="020B0604020202020204" pitchFamily="34" charset="0"/>
+                <a:ea typeface="Times New Roman" panose="02020603050405020304" pitchFamily="18" charset="0"/>
+              </a:rPr>
+              <a:t> e Still 2013 )</a:t>
+            </a:r>
+          </a:p>
+          <a:p>
+            <a:pPr marL="628650" indent="-285750" algn="just">
+              <a:lnSpc>
+                <a:spcPct val="150000"/>
+              </a:lnSpc>
+              <a:spcAft>
+                <a:spcPts val="600"/>
+              </a:spcAft>
+            </a:pPr>
+            <a:r>
+              <a:rPr lang="pt-BR" sz="1800" b="1" dirty="0">
                 <a:latin typeface="Arial" panose="020B0604020202020204" pitchFamily="34" charset="0"/>
                 <a:ea typeface="Times New Roman" panose="02020603050405020304" pitchFamily="18" charset="0"/>
                 <a:cs typeface="Times New Roman" panose="02020603050405020304" pitchFamily="18" charset="0"/>
@@ -41363,7 +41491,7 @@
             <p:ph idx="1"/>
             <p:extLst>
               <p:ext uri="{D42A27DB-BD31-4B8C-83A1-F6EECF244321}">
-                <p14:modId xmlns:p14="http://schemas.microsoft.com/office/powerpoint/2010/main" val="3901658882"/>
+                <p14:modId xmlns:p14="http://schemas.microsoft.com/office/powerpoint/2010/main" val="620864514"/>
               </p:ext>
             </p:extLst>
           </p:nvPr>
@@ -42092,7 +42220,7 @@
               <a:rPr lang="pt-BR" dirty="0">
                 <a:latin typeface="Swis721 Cn BT" panose="020B0506020202030204"/>
               </a:rPr>
-              <a:t>mais satisfeito, menos exausto, mais eficaz, tratar melhor as pessoas ao seu redor, melhora sua relações com as pessoas e isso depende de você!</a:t>
+              <a:t>mais satisfeito, menos exausto, mais eficaz, tratar melhor as pessoas ao seu redor e isso depende de você!</a:t>
             </a:r>
           </a:p>
         </p:txBody>
@@ -42254,6 +42382,29 @@
           </a:bodyPr>
           <a:lstStyle/>
           <a:p>
+            <a:endParaRPr lang="pt-BR" sz="2000" dirty="0">
+              <a:effectLst/>
+              <a:latin typeface="Swis721 Cn BT" panose="020B0506020202030204"/>
+              <a:ea typeface="Times New Roman" panose="02020603050405020304" pitchFamily="18" charset="0"/>
+              <a:cs typeface="Times New Roman" panose="02020603050405020304" pitchFamily="18" charset="0"/>
+            </a:endParaRPr>
+          </a:p>
+          <a:p>
+            <a:endParaRPr lang="pt-BR" sz="2000" dirty="0">
+              <a:latin typeface="Swis721 Cn BT" panose="020B0506020202030204"/>
+              <a:ea typeface="Times New Roman" panose="02020603050405020304" pitchFamily="18" charset="0"/>
+              <a:cs typeface="Times New Roman" panose="02020603050405020304" pitchFamily="18" charset="0"/>
+            </a:endParaRPr>
+          </a:p>
+          <a:p>
+            <a:endParaRPr lang="pt-BR" sz="2000" dirty="0">
+              <a:effectLst/>
+              <a:latin typeface="Swis721 Cn BT" panose="020B0506020202030204"/>
+              <a:ea typeface="Times New Roman" panose="02020603050405020304" pitchFamily="18" charset="0"/>
+              <a:cs typeface="Times New Roman" panose="02020603050405020304" pitchFamily="18" charset="0"/>
+            </a:endParaRPr>
+          </a:p>
+          <a:p>
             <a:r>
               <a:rPr lang="pt-BR" sz="2000" dirty="0">
                 <a:effectLst/>
@@ -42270,20 +42421,6 @@
               <a:latin typeface="Swis721 Cn BT" panose="020B0506020202030204"/>
               <a:ea typeface="Times New Roman" panose="02020603050405020304" pitchFamily="18" charset="0"/>
               <a:cs typeface="Times New Roman" panose="02020603050405020304" pitchFamily="18" charset="0"/>
-            </a:endParaRPr>
-          </a:p>
-          <a:p>
-            <a:r>
-              <a:rPr lang="pt-BR" sz="2000" dirty="0">
-                <a:effectLst/>
-                <a:latin typeface="Swis721 Cn BT" panose="020B0506020202030204"/>
-                <a:ea typeface="Calibri" panose="020F0502020204030204" pitchFamily="34" charset="0"/>
-                <a:cs typeface="Times New Roman" panose="02020603050405020304" pitchFamily="18" charset="0"/>
-              </a:rPr>
-              <a:t>É importante entender também a direção da relação entre o burnout e a adaptabilidade individual e os motivos de ela ocorrer. </a:t>
-            </a:r>
-            <a:endParaRPr lang="pt-BR" sz="2000" dirty="0">
-              <a:latin typeface="Swis721 Cn BT" panose="020B0506020202030204"/>
             </a:endParaRPr>
           </a:p>
         </p:txBody>
